--- a/content/posts/202103bayes/多項分布.pptx
+++ b/content/posts/202103bayes/多項分布.pptx
@@ -7,6 +7,7 @@
   <p:sldIdLst>
     <p:sldId id="256" r:id="rId2"/>
     <p:sldId id="257" r:id="rId3"/>
+    <p:sldId id="258" r:id="rId4"/>
   </p:sldIdLst>
   <p:sldSz cx="12192000" cy="6858000"/>
   <p:notesSz cx="6858000" cy="9144000"/>
@@ -260,7 +261,7 @@
           <a:p>
             <a:fld id="{3A7FFF6F-FC42-9E43-B015-2934A9463A56}" type="datetimeFigureOut">
               <a:rPr kumimoji="1" lang="ja-JP" altLang="en-US" smtClean="0"/>
-              <a:t>2021/3/16</a:t>
+              <a:t>2021/3/17</a:t>
             </a:fld>
             <a:endParaRPr kumimoji="1" lang="ja-JP" altLang="en-US"/>
           </a:p>
@@ -490,7 +491,7 @@
           <a:p>
             <a:fld id="{3A7FFF6F-FC42-9E43-B015-2934A9463A56}" type="datetimeFigureOut">
               <a:rPr kumimoji="1" lang="ja-JP" altLang="en-US" smtClean="0"/>
-              <a:t>2021/3/16</a:t>
+              <a:t>2021/3/17</a:t>
             </a:fld>
             <a:endParaRPr kumimoji="1" lang="ja-JP" altLang="en-US"/>
           </a:p>
@@ -730,7 +731,7 @@
           <a:p>
             <a:fld id="{3A7FFF6F-FC42-9E43-B015-2934A9463A56}" type="datetimeFigureOut">
               <a:rPr kumimoji="1" lang="ja-JP" altLang="en-US" smtClean="0"/>
-              <a:t>2021/3/16</a:t>
+              <a:t>2021/3/17</a:t>
             </a:fld>
             <a:endParaRPr kumimoji="1" lang="ja-JP" altLang="en-US"/>
           </a:p>
@@ -960,7 +961,7 @@
           <a:p>
             <a:fld id="{3A7FFF6F-FC42-9E43-B015-2934A9463A56}" type="datetimeFigureOut">
               <a:rPr kumimoji="1" lang="ja-JP" altLang="en-US" smtClean="0"/>
-              <a:t>2021/3/16</a:t>
+              <a:t>2021/3/17</a:t>
             </a:fld>
             <a:endParaRPr kumimoji="1" lang="ja-JP" altLang="en-US"/>
           </a:p>
@@ -1235,7 +1236,7 @@
           <a:p>
             <a:fld id="{3A7FFF6F-FC42-9E43-B015-2934A9463A56}" type="datetimeFigureOut">
               <a:rPr kumimoji="1" lang="ja-JP" altLang="en-US" smtClean="0"/>
-              <a:t>2021/3/16</a:t>
+              <a:t>2021/3/17</a:t>
             </a:fld>
             <a:endParaRPr kumimoji="1" lang="ja-JP" altLang="en-US"/>
           </a:p>
@@ -1564,7 +1565,7 @@
           <a:p>
             <a:fld id="{3A7FFF6F-FC42-9E43-B015-2934A9463A56}" type="datetimeFigureOut">
               <a:rPr kumimoji="1" lang="ja-JP" altLang="en-US" smtClean="0"/>
-              <a:t>2021/3/16</a:t>
+              <a:t>2021/3/17</a:t>
             </a:fld>
             <a:endParaRPr kumimoji="1" lang="ja-JP" altLang="en-US"/>
           </a:p>
@@ -2040,7 +2041,7 @@
           <a:p>
             <a:fld id="{3A7FFF6F-FC42-9E43-B015-2934A9463A56}" type="datetimeFigureOut">
               <a:rPr kumimoji="1" lang="ja-JP" altLang="en-US" smtClean="0"/>
-              <a:t>2021/3/16</a:t>
+              <a:t>2021/3/17</a:t>
             </a:fld>
             <a:endParaRPr kumimoji="1" lang="ja-JP" altLang="en-US"/>
           </a:p>
@@ -2181,7 +2182,7 @@
           <a:p>
             <a:fld id="{3A7FFF6F-FC42-9E43-B015-2934A9463A56}" type="datetimeFigureOut">
               <a:rPr kumimoji="1" lang="ja-JP" altLang="en-US" smtClean="0"/>
-              <a:t>2021/3/16</a:t>
+              <a:t>2021/3/17</a:t>
             </a:fld>
             <a:endParaRPr kumimoji="1" lang="ja-JP" altLang="en-US"/>
           </a:p>
@@ -2294,7 +2295,7 @@
           <a:p>
             <a:fld id="{3A7FFF6F-FC42-9E43-B015-2934A9463A56}" type="datetimeFigureOut">
               <a:rPr kumimoji="1" lang="ja-JP" altLang="en-US" smtClean="0"/>
-              <a:t>2021/3/16</a:t>
+              <a:t>2021/3/17</a:t>
             </a:fld>
             <a:endParaRPr kumimoji="1" lang="ja-JP" altLang="en-US"/>
           </a:p>
@@ -2637,7 +2638,7 @@
           <a:p>
             <a:fld id="{3A7FFF6F-FC42-9E43-B015-2934A9463A56}" type="datetimeFigureOut">
               <a:rPr kumimoji="1" lang="ja-JP" altLang="en-US" smtClean="0"/>
-              <a:t>2021/3/16</a:t>
+              <a:t>2021/3/17</a:t>
             </a:fld>
             <a:endParaRPr kumimoji="1" lang="ja-JP" altLang="en-US"/>
           </a:p>
@@ -2925,7 +2926,7 @@
           <a:p>
             <a:fld id="{3A7FFF6F-FC42-9E43-B015-2934A9463A56}" type="datetimeFigureOut">
               <a:rPr kumimoji="1" lang="ja-JP" altLang="en-US" smtClean="0"/>
-              <a:t>2021/3/16</a:t>
+              <a:t>2021/3/17</a:t>
             </a:fld>
             <a:endParaRPr kumimoji="1" lang="ja-JP" altLang="en-US"/>
           </a:p>
@@ -3198,7 +3199,7 @@
           <a:p>
             <a:fld id="{3A7FFF6F-FC42-9E43-B015-2934A9463A56}" type="datetimeFigureOut">
               <a:rPr kumimoji="1" lang="ja-JP" altLang="en-US" smtClean="0"/>
-              <a:t>2021/3/16</a:t>
+              <a:t>2021/3/17</a:t>
             </a:fld>
             <a:endParaRPr kumimoji="1" lang="ja-JP" altLang="en-US"/>
           </a:p>
@@ -4519,8 +4520,8 @@
           <a:chExt cx="0" cy="0"/>
         </a:xfrm>
       </p:grpSpPr>
-      <mc:AlternateContent xmlns:mc="http://schemas.openxmlformats.org/markup-compatibility/2006">
-        <mc:Choice xmlns:a14="http://schemas.microsoft.com/office/drawing/2010/main" Requires="a14">
+      <mc:AlternateContent xmlns:mc="http://schemas.openxmlformats.org/markup-compatibility/2006" xmlns:a14="http://schemas.microsoft.com/office/drawing/2010/main">
+        <mc:Choice Requires="a14">
           <p:graphicFrame>
             <p:nvGraphicFramePr>
               <p:cNvPr id="4" name="表 4">
@@ -5000,7 +5001,7 @@
             </a:graphic>
           </p:graphicFrame>
         </mc:Choice>
-        <mc:Fallback>
+        <mc:Fallback xmlns="">
           <p:graphicFrame>
             <p:nvGraphicFramePr>
               <p:cNvPr id="4" name="表 4">
@@ -5348,6 +5349,733 @@
 </p:sld>
 </file>
 
+<file path=ppt/slides/slide3.xml><?xml version="1.0" encoding="utf-8"?>
+<p:sld xmlns:a="http://schemas.openxmlformats.org/drawingml/2006/main" xmlns:r="http://schemas.openxmlformats.org/officeDocument/2006/relationships" xmlns:p="http://schemas.openxmlformats.org/presentationml/2006/main">
+  <p:cSld>
+    <p:spTree>
+      <p:nvGrpSpPr>
+        <p:cNvPr id="1" name=""/>
+        <p:cNvGrpSpPr/>
+        <p:nvPr/>
+      </p:nvGrpSpPr>
+      <p:grpSpPr>
+        <a:xfrm>
+          <a:off x="0" y="0"/>
+          <a:ext cx="0" cy="0"/>
+          <a:chOff x="0" y="0"/>
+          <a:chExt cx="0" cy="0"/>
+        </a:xfrm>
+      </p:grpSpPr>
+      <p:sp>
+        <p:nvSpPr>
+          <p:cNvPr id="4" name="上下矢印 3">
+            <a:extLst>
+              <a:ext uri="{FF2B5EF4-FFF2-40B4-BE49-F238E27FC236}">
+                <a16:creationId xmlns:a16="http://schemas.microsoft.com/office/drawing/2014/main" id="{7910C93C-104D-2B4E-A92F-2D529F7F09CB}"/>
+              </a:ext>
+            </a:extLst>
+          </p:cNvPr>
+          <p:cNvSpPr/>
+          <p:nvPr/>
+        </p:nvSpPr>
+        <p:spPr>
+          <a:xfrm>
+            <a:off x="1896533" y="651933"/>
+            <a:ext cx="1337733" cy="5435593"/>
+          </a:xfrm>
+          <a:prstGeom prst="upDownArrow">
+            <a:avLst/>
+          </a:prstGeom>
+        </p:spPr>
+        <p:style>
+          <a:lnRef idx="2">
+            <a:schemeClr val="accent1">
+              <a:shade val="50000"/>
+            </a:schemeClr>
+          </a:lnRef>
+          <a:fillRef idx="1">
+            <a:schemeClr val="accent1"/>
+          </a:fillRef>
+          <a:effectRef idx="0">
+            <a:schemeClr val="accent1"/>
+          </a:effectRef>
+          <a:fontRef idx="minor">
+            <a:schemeClr val="lt1"/>
+          </a:fontRef>
+        </p:style>
+        <p:txBody>
+          <a:bodyPr rtlCol="0" anchor="ctr"/>
+          <a:lstStyle/>
+          <a:p>
+            <a:pPr algn="ctr"/>
+            <a:endParaRPr kumimoji="1" lang="ja-JP" altLang="en-US"/>
+          </a:p>
+        </p:txBody>
+      </p:sp>
+      <p:sp>
+        <p:nvSpPr>
+          <p:cNvPr id="5" name="上下矢印 4">
+            <a:extLst>
+              <a:ext uri="{FF2B5EF4-FFF2-40B4-BE49-F238E27FC236}">
+                <a16:creationId xmlns:a16="http://schemas.microsoft.com/office/drawing/2014/main" id="{7AFD0324-3908-2047-9CAD-7D1C60F31965}"/>
+              </a:ext>
+            </a:extLst>
+          </p:cNvPr>
+          <p:cNvSpPr/>
+          <p:nvPr/>
+        </p:nvSpPr>
+        <p:spPr>
+          <a:xfrm>
+            <a:off x="4758267" y="2692399"/>
+            <a:ext cx="1337733" cy="3395133"/>
+          </a:xfrm>
+          <a:prstGeom prst="upDownArrow">
+            <a:avLst/>
+          </a:prstGeom>
+        </p:spPr>
+        <p:style>
+          <a:lnRef idx="2">
+            <a:schemeClr val="accent1">
+              <a:shade val="50000"/>
+            </a:schemeClr>
+          </a:lnRef>
+          <a:fillRef idx="1">
+            <a:schemeClr val="accent1"/>
+          </a:fillRef>
+          <a:effectRef idx="0">
+            <a:schemeClr val="accent1"/>
+          </a:effectRef>
+          <a:fontRef idx="minor">
+            <a:schemeClr val="lt1"/>
+          </a:fontRef>
+        </p:style>
+        <p:txBody>
+          <a:bodyPr rtlCol="0" anchor="ctr"/>
+          <a:lstStyle/>
+          <a:p>
+            <a:pPr algn="ctr"/>
+            <a:endParaRPr kumimoji="1" lang="ja-JP" altLang="en-US"/>
+          </a:p>
+        </p:txBody>
+      </p:sp>
+      <p:sp>
+        <p:nvSpPr>
+          <p:cNvPr id="6" name="上下矢印 5">
+            <a:extLst>
+              <a:ext uri="{FF2B5EF4-FFF2-40B4-BE49-F238E27FC236}">
+                <a16:creationId xmlns:a16="http://schemas.microsoft.com/office/drawing/2014/main" id="{F0482CD6-65D0-9D41-8BB9-1796AC9384A6}"/>
+              </a:ext>
+            </a:extLst>
+          </p:cNvPr>
+          <p:cNvSpPr/>
+          <p:nvPr/>
+        </p:nvSpPr>
+        <p:spPr>
+          <a:xfrm>
+            <a:off x="4758266" y="651934"/>
+            <a:ext cx="1337733" cy="2040465"/>
+          </a:xfrm>
+          <a:prstGeom prst="upDownArrow">
+            <a:avLst/>
+          </a:prstGeom>
+        </p:spPr>
+        <p:style>
+          <a:lnRef idx="2">
+            <a:schemeClr val="accent1">
+              <a:shade val="50000"/>
+            </a:schemeClr>
+          </a:lnRef>
+          <a:fillRef idx="1">
+            <a:schemeClr val="accent1"/>
+          </a:fillRef>
+          <a:effectRef idx="0">
+            <a:schemeClr val="accent1"/>
+          </a:effectRef>
+          <a:fontRef idx="minor">
+            <a:schemeClr val="lt1"/>
+          </a:fontRef>
+        </p:style>
+        <p:txBody>
+          <a:bodyPr rtlCol="0" anchor="ctr"/>
+          <a:lstStyle/>
+          <a:p>
+            <a:pPr algn="ctr"/>
+            <a:endParaRPr kumimoji="1" lang="ja-JP" altLang="en-US"/>
+          </a:p>
+        </p:txBody>
+      </p:sp>
+      <p:sp>
+        <p:nvSpPr>
+          <p:cNvPr id="7" name="上下矢印 6">
+            <a:extLst>
+              <a:ext uri="{FF2B5EF4-FFF2-40B4-BE49-F238E27FC236}">
+                <a16:creationId xmlns:a16="http://schemas.microsoft.com/office/drawing/2014/main" id="{63EF0636-C719-5F41-BA89-6E7CA32BE77B}"/>
+              </a:ext>
+            </a:extLst>
+          </p:cNvPr>
+          <p:cNvSpPr/>
+          <p:nvPr/>
+        </p:nvSpPr>
+        <p:spPr>
+          <a:xfrm>
+            <a:off x="7349067" y="2692400"/>
+            <a:ext cx="1337733" cy="1744133"/>
+          </a:xfrm>
+          <a:prstGeom prst="upDownArrow">
+            <a:avLst/>
+          </a:prstGeom>
+        </p:spPr>
+        <p:style>
+          <a:lnRef idx="2">
+            <a:schemeClr val="accent1">
+              <a:shade val="50000"/>
+            </a:schemeClr>
+          </a:lnRef>
+          <a:fillRef idx="1">
+            <a:schemeClr val="accent1"/>
+          </a:fillRef>
+          <a:effectRef idx="0">
+            <a:schemeClr val="accent1"/>
+          </a:effectRef>
+          <a:fontRef idx="minor">
+            <a:schemeClr val="lt1"/>
+          </a:fontRef>
+        </p:style>
+        <p:txBody>
+          <a:bodyPr rtlCol="0" anchor="ctr"/>
+          <a:lstStyle/>
+          <a:p>
+            <a:pPr algn="ctr"/>
+            <a:endParaRPr kumimoji="1" lang="ja-JP" altLang="en-US"/>
+          </a:p>
+        </p:txBody>
+      </p:sp>
+      <p:sp>
+        <p:nvSpPr>
+          <p:cNvPr id="8" name="上下矢印 7">
+            <a:extLst>
+              <a:ext uri="{FF2B5EF4-FFF2-40B4-BE49-F238E27FC236}">
+                <a16:creationId xmlns:a16="http://schemas.microsoft.com/office/drawing/2014/main" id="{D7708B14-8194-2C4A-BDC5-7A041BA00A93}"/>
+              </a:ext>
+            </a:extLst>
+          </p:cNvPr>
+          <p:cNvSpPr/>
+          <p:nvPr/>
+        </p:nvSpPr>
+        <p:spPr>
+          <a:xfrm>
+            <a:off x="7349067" y="4436533"/>
+            <a:ext cx="1337733" cy="1650999"/>
+          </a:xfrm>
+          <a:prstGeom prst="upDownArrow">
+            <a:avLst/>
+          </a:prstGeom>
+        </p:spPr>
+        <p:style>
+          <a:lnRef idx="2">
+            <a:schemeClr val="accent1">
+              <a:shade val="50000"/>
+            </a:schemeClr>
+          </a:lnRef>
+          <a:fillRef idx="1">
+            <a:schemeClr val="accent1"/>
+          </a:fillRef>
+          <a:effectRef idx="0">
+            <a:schemeClr val="accent1"/>
+          </a:effectRef>
+          <a:fontRef idx="minor">
+            <a:schemeClr val="lt1"/>
+          </a:fontRef>
+        </p:style>
+        <p:txBody>
+          <a:bodyPr rtlCol="0" anchor="ctr"/>
+          <a:lstStyle/>
+          <a:p>
+            <a:pPr algn="ctr"/>
+            <a:endParaRPr kumimoji="1" lang="ja-JP" altLang="en-US"/>
+          </a:p>
+        </p:txBody>
+      </p:sp>
+      <p:cxnSp>
+        <p:nvCxnSpPr>
+          <p:cNvPr id="10" name="直線コネクタ 9">
+            <a:extLst>
+              <a:ext uri="{FF2B5EF4-FFF2-40B4-BE49-F238E27FC236}">
+                <a16:creationId xmlns:a16="http://schemas.microsoft.com/office/drawing/2014/main" id="{9FFC58A3-1D95-7644-A3A8-C488C61D4E50}"/>
+              </a:ext>
+            </a:extLst>
+          </p:cNvPr>
+          <p:cNvCxnSpPr>
+            <a:cxnSpLocks/>
+            <a:stCxn id="4" idx="0"/>
+          </p:cNvCxnSpPr>
+          <p:nvPr/>
+        </p:nvCxnSpPr>
+        <p:spPr>
+          <a:xfrm>
+            <a:off x="2565400" y="651933"/>
+            <a:ext cx="2836333" cy="1"/>
+          </a:xfrm>
+          <a:prstGeom prst="line">
+            <a:avLst/>
+          </a:prstGeom>
+          <a:ln w="12700">
+            <a:solidFill>
+              <a:schemeClr val="tx1"/>
+            </a:solidFill>
+          </a:ln>
+        </p:spPr>
+        <p:style>
+          <a:lnRef idx="1">
+            <a:schemeClr val="accent1"/>
+          </a:lnRef>
+          <a:fillRef idx="0">
+            <a:schemeClr val="accent1"/>
+          </a:fillRef>
+          <a:effectRef idx="0">
+            <a:schemeClr val="accent1"/>
+          </a:effectRef>
+          <a:fontRef idx="minor">
+            <a:schemeClr val="tx1"/>
+          </a:fontRef>
+        </p:style>
+      </p:cxnSp>
+      <p:cxnSp>
+        <p:nvCxnSpPr>
+          <p:cNvPr id="11" name="直線コネクタ 10">
+            <a:extLst>
+              <a:ext uri="{FF2B5EF4-FFF2-40B4-BE49-F238E27FC236}">
+                <a16:creationId xmlns:a16="http://schemas.microsoft.com/office/drawing/2014/main" id="{12CA9692-4333-AA45-A2E2-8A5C1CE554F1}"/>
+              </a:ext>
+            </a:extLst>
+          </p:cNvPr>
+          <p:cNvCxnSpPr>
+            <a:cxnSpLocks/>
+            <a:endCxn id="7" idx="0"/>
+          </p:cNvCxnSpPr>
+          <p:nvPr/>
+        </p:nvCxnSpPr>
+        <p:spPr>
+          <a:xfrm>
+            <a:off x="5401733" y="2692399"/>
+            <a:ext cx="2616201" cy="1"/>
+          </a:xfrm>
+          <a:prstGeom prst="line">
+            <a:avLst/>
+          </a:prstGeom>
+          <a:ln w="12700">
+            <a:solidFill>
+              <a:schemeClr val="tx1"/>
+            </a:solidFill>
+          </a:ln>
+        </p:spPr>
+        <p:style>
+          <a:lnRef idx="1">
+            <a:schemeClr val="accent1"/>
+          </a:lnRef>
+          <a:fillRef idx="0">
+            <a:schemeClr val="accent1"/>
+          </a:fillRef>
+          <a:effectRef idx="0">
+            <a:schemeClr val="accent1"/>
+          </a:effectRef>
+          <a:fontRef idx="minor">
+            <a:schemeClr val="tx1"/>
+          </a:fontRef>
+        </p:style>
+      </p:cxnSp>
+      <p:sp>
+        <p:nvSpPr>
+          <p:cNvPr id="15" name="テキスト ボックス 14">
+            <a:extLst>
+              <a:ext uri="{FF2B5EF4-FFF2-40B4-BE49-F238E27FC236}">
+                <a16:creationId xmlns:a16="http://schemas.microsoft.com/office/drawing/2014/main" id="{B607BE52-5E56-9148-8A71-B4B6257108D4}"/>
+              </a:ext>
+            </a:extLst>
+          </p:cNvPr>
+          <p:cNvSpPr txBox="1"/>
+          <p:nvPr/>
+        </p:nvSpPr>
+        <p:spPr>
+          <a:xfrm>
+            <a:off x="3023738" y="3059668"/>
+            <a:ext cx="1107996" cy="369332"/>
+          </a:xfrm>
+          <a:prstGeom prst="rect">
+            <a:avLst/>
+          </a:prstGeom>
+          <a:noFill/>
+        </p:spPr>
+        <p:txBody>
+          <a:bodyPr wrap="none" rtlCol="0">
+            <a:spAutoFit/>
+          </a:bodyPr>
+          <a:lstStyle/>
+          <a:p>
+            <a:r>
+              <a:rPr kumimoji="1" lang="ja-JP" altLang="en-US"/>
+              <a:t>対数尤度</a:t>
+            </a:r>
+          </a:p>
+        </p:txBody>
+      </p:sp>
+      <p:sp>
+        <p:nvSpPr>
+          <p:cNvPr id="16" name="テキスト ボックス 15">
+            <a:extLst>
+              <a:ext uri="{FF2B5EF4-FFF2-40B4-BE49-F238E27FC236}">
+                <a16:creationId xmlns:a16="http://schemas.microsoft.com/office/drawing/2014/main" id="{8D17C953-9CDF-A54D-9D28-D7FB5D81EEFF}"/>
+              </a:ext>
+            </a:extLst>
+          </p:cNvPr>
+          <p:cNvSpPr txBox="1"/>
+          <p:nvPr/>
+        </p:nvSpPr>
+        <p:spPr>
+          <a:xfrm>
+            <a:off x="6184325" y="1219484"/>
+            <a:ext cx="2329484" cy="369332"/>
+          </a:xfrm>
+          <a:prstGeom prst="rect">
+            <a:avLst/>
+          </a:prstGeom>
+          <a:noFill/>
+        </p:spPr>
+        <p:txBody>
+          <a:bodyPr wrap="none" rtlCol="0">
+            <a:spAutoFit/>
+          </a:bodyPr>
+          <a:lstStyle/>
+          <a:p>
+            <a:r>
+              <a:rPr lang="en-US" altLang="ja-JP" dirty="0"/>
+              <a:t>KL</a:t>
+            </a:r>
+            <a:r>
+              <a:rPr lang="ja-JP" altLang="en-US"/>
+              <a:t>ダイバージェンス</a:t>
+            </a:r>
+            <a:endParaRPr kumimoji="1" lang="ja-JP" altLang="en-US"/>
+          </a:p>
+        </p:txBody>
+      </p:sp>
+      <p:sp>
+        <p:nvSpPr>
+          <p:cNvPr id="17" name="テキスト ボックス 16">
+            <a:extLst>
+              <a:ext uri="{FF2B5EF4-FFF2-40B4-BE49-F238E27FC236}">
+                <a16:creationId xmlns:a16="http://schemas.microsoft.com/office/drawing/2014/main" id="{88DBBD43-C05F-0547-A425-2F2EB3797FF4}"/>
+              </a:ext>
+            </a:extLst>
+          </p:cNvPr>
+          <p:cNvSpPr txBox="1"/>
+          <p:nvPr/>
+        </p:nvSpPr>
+        <p:spPr>
+          <a:xfrm>
+            <a:off x="5948971" y="3957133"/>
+            <a:ext cx="1107996" cy="369332"/>
+          </a:xfrm>
+          <a:prstGeom prst="rect">
+            <a:avLst/>
+          </a:prstGeom>
+          <a:noFill/>
+        </p:spPr>
+        <p:txBody>
+          <a:bodyPr wrap="none" rtlCol="0">
+            <a:spAutoFit/>
+          </a:bodyPr>
+          <a:lstStyle/>
+          <a:p>
+            <a:r>
+              <a:rPr kumimoji="1" lang="ja-JP" altLang="en-US"/>
+              <a:t>変分下界</a:t>
+            </a:r>
+          </a:p>
+        </p:txBody>
+      </p:sp>
+      <p:sp>
+        <p:nvSpPr>
+          <p:cNvPr id="18" name="テキスト ボックス 17">
+            <a:extLst>
+              <a:ext uri="{FF2B5EF4-FFF2-40B4-BE49-F238E27FC236}">
+                <a16:creationId xmlns:a16="http://schemas.microsoft.com/office/drawing/2014/main" id="{5CC1AD79-8CE6-5942-8F30-4F23AB1FB01D}"/>
+              </a:ext>
+            </a:extLst>
+          </p:cNvPr>
+          <p:cNvSpPr txBox="1"/>
+          <p:nvPr/>
+        </p:nvSpPr>
+        <p:spPr>
+          <a:xfrm>
+            <a:off x="8831871" y="3225802"/>
+            <a:ext cx="1569660" cy="369332"/>
+          </a:xfrm>
+          <a:prstGeom prst="rect">
+            <a:avLst/>
+          </a:prstGeom>
+          <a:noFill/>
+        </p:spPr>
+        <p:txBody>
+          <a:bodyPr wrap="none" rtlCol="0">
+            <a:spAutoFit/>
+          </a:bodyPr>
+          <a:lstStyle/>
+          <a:p>
+            <a:r>
+              <a:rPr kumimoji="1" lang="ja-JP" altLang="en-US"/>
+              <a:t>エントロピー</a:t>
+            </a:r>
+          </a:p>
+        </p:txBody>
+      </p:sp>
+      <p:sp>
+        <p:nvSpPr>
+          <p:cNvPr id="19" name="テキスト ボックス 18">
+            <a:extLst>
+              <a:ext uri="{FF2B5EF4-FFF2-40B4-BE49-F238E27FC236}">
+                <a16:creationId xmlns:a16="http://schemas.microsoft.com/office/drawing/2014/main" id="{5D9BB4E0-6F85-934C-AE6C-5C3486A39C77}"/>
+              </a:ext>
+            </a:extLst>
+          </p:cNvPr>
+          <p:cNvSpPr txBox="1"/>
+          <p:nvPr/>
+        </p:nvSpPr>
+        <p:spPr>
+          <a:xfrm>
+            <a:off x="9209377" y="4892700"/>
+            <a:ext cx="814647" cy="369332"/>
+          </a:xfrm>
+          <a:prstGeom prst="rect">
+            <a:avLst/>
+          </a:prstGeom>
+          <a:noFill/>
+        </p:spPr>
+        <p:txBody>
+          <a:bodyPr wrap="none" rtlCol="0">
+            <a:spAutoFit/>
+          </a:bodyPr>
+          <a:lstStyle/>
+          <a:p>
+            <a:r>
+              <a:rPr kumimoji="1" lang="en-US" altLang="ja-JP" dirty="0"/>
+              <a:t>Q</a:t>
+            </a:r>
+            <a:r>
+              <a:rPr lang="ja-JP" altLang="en-US"/>
+              <a:t>関数</a:t>
+            </a:r>
+            <a:endParaRPr kumimoji="1" lang="ja-JP" altLang="en-US"/>
+          </a:p>
+        </p:txBody>
+      </p:sp>
+      <p:cxnSp>
+        <p:nvCxnSpPr>
+          <p:cNvPr id="20" name="直線コネクタ 19">
+            <a:extLst>
+              <a:ext uri="{FF2B5EF4-FFF2-40B4-BE49-F238E27FC236}">
+                <a16:creationId xmlns:a16="http://schemas.microsoft.com/office/drawing/2014/main" id="{C774EF5E-9EBE-9F43-A6B2-CE6BF67336A4}"/>
+              </a:ext>
+            </a:extLst>
+          </p:cNvPr>
+          <p:cNvCxnSpPr>
+            <a:cxnSpLocks/>
+            <a:endCxn id="8" idx="4"/>
+          </p:cNvCxnSpPr>
+          <p:nvPr/>
+        </p:nvCxnSpPr>
+        <p:spPr>
+          <a:xfrm>
+            <a:off x="2565399" y="6087532"/>
+            <a:ext cx="5452535" cy="0"/>
+          </a:xfrm>
+          <a:prstGeom prst="line">
+            <a:avLst/>
+          </a:prstGeom>
+          <a:ln w="12700">
+            <a:solidFill>
+              <a:schemeClr val="tx1"/>
+            </a:solidFill>
+          </a:ln>
+        </p:spPr>
+        <p:style>
+          <a:lnRef idx="1">
+            <a:schemeClr val="accent1"/>
+          </a:lnRef>
+          <a:fillRef idx="0">
+            <a:schemeClr val="accent1"/>
+          </a:fillRef>
+          <a:effectRef idx="0">
+            <a:schemeClr val="accent1"/>
+          </a:effectRef>
+          <a:fontRef idx="minor">
+            <a:schemeClr val="tx1"/>
+          </a:fontRef>
+        </p:style>
+      </p:cxnSp>
+      <p:pic>
+        <p:nvPicPr>
+          <p:cNvPr id="24" name="図 23">
+            <a:extLst>
+              <a:ext uri="{FF2B5EF4-FFF2-40B4-BE49-F238E27FC236}">
+                <a16:creationId xmlns:a16="http://schemas.microsoft.com/office/drawing/2014/main" id="{27613B3D-A0C7-5041-8BD1-9AC6368CDFE9}"/>
+              </a:ext>
+            </a:extLst>
+          </p:cNvPr>
+          <p:cNvPicPr>
+            <a:picLocks noChangeAspect="1"/>
+          </p:cNvPicPr>
+          <p:nvPr/>
+        </p:nvPicPr>
+        <p:blipFill>
+          <a:blip r:embed="rId2"/>
+          <a:stretch>
+            <a:fillRect/>
+          </a:stretch>
+        </p:blipFill>
+        <p:spPr>
+          <a:xfrm>
+            <a:off x="3191933" y="3613666"/>
+            <a:ext cx="1003300" cy="266700"/>
+          </a:xfrm>
+          <a:prstGeom prst="rect">
+            <a:avLst/>
+          </a:prstGeom>
+        </p:spPr>
+      </p:pic>
+      <p:pic>
+        <p:nvPicPr>
+          <p:cNvPr id="25" name="図 24">
+            <a:extLst>
+              <a:ext uri="{FF2B5EF4-FFF2-40B4-BE49-F238E27FC236}">
+                <a16:creationId xmlns:a16="http://schemas.microsoft.com/office/drawing/2014/main" id="{08B5041E-DAC5-2746-8B1D-D938264238D8}"/>
+              </a:ext>
+            </a:extLst>
+          </p:cNvPr>
+          <p:cNvPicPr>
+            <a:picLocks noChangeAspect="1"/>
+          </p:cNvPicPr>
+          <p:nvPr/>
+        </p:nvPicPr>
+        <p:blipFill>
+          <a:blip r:embed="rId3"/>
+          <a:stretch>
+            <a:fillRect/>
+          </a:stretch>
+        </p:blipFill>
+        <p:spPr>
+          <a:xfrm>
+            <a:off x="6301317" y="1699169"/>
+            <a:ext cx="2095500" cy="317500"/>
+          </a:xfrm>
+          <a:prstGeom prst="rect">
+            <a:avLst/>
+          </a:prstGeom>
+        </p:spPr>
+      </p:pic>
+      <p:pic>
+        <p:nvPicPr>
+          <p:cNvPr id="26" name="図 25">
+            <a:extLst>
+              <a:ext uri="{FF2B5EF4-FFF2-40B4-BE49-F238E27FC236}">
+                <a16:creationId xmlns:a16="http://schemas.microsoft.com/office/drawing/2014/main" id="{F076B73A-3EF8-EF47-86E3-0D54490B4F2E}"/>
+              </a:ext>
+            </a:extLst>
+          </p:cNvPr>
+          <p:cNvPicPr>
+            <a:picLocks noChangeAspect="1"/>
+          </p:cNvPicPr>
+          <p:nvPr/>
+        </p:nvPicPr>
+        <p:blipFill>
+          <a:blip r:embed="rId4"/>
+          <a:stretch>
+            <a:fillRect/>
+          </a:stretch>
+        </p:blipFill>
+        <p:spPr>
+          <a:xfrm>
+            <a:off x="6115051" y="4398431"/>
+            <a:ext cx="723900" cy="317500"/>
+          </a:xfrm>
+          <a:prstGeom prst="rect">
+            <a:avLst/>
+          </a:prstGeom>
+        </p:spPr>
+      </p:pic>
+      <p:pic>
+        <p:nvPicPr>
+          <p:cNvPr id="27" name="図 26">
+            <a:extLst>
+              <a:ext uri="{FF2B5EF4-FFF2-40B4-BE49-F238E27FC236}">
+                <a16:creationId xmlns:a16="http://schemas.microsoft.com/office/drawing/2014/main" id="{380D0F64-757A-1848-90F7-FE4A79B009BA}"/>
+              </a:ext>
+            </a:extLst>
+          </p:cNvPr>
+          <p:cNvPicPr>
+            <a:picLocks noChangeAspect="1"/>
+          </p:cNvPicPr>
+          <p:nvPr/>
+        </p:nvPicPr>
+        <p:blipFill>
+          <a:blip r:embed="rId5"/>
+          <a:stretch>
+            <a:fillRect/>
+          </a:stretch>
+        </p:blipFill>
+        <p:spPr>
+          <a:xfrm>
+            <a:off x="9119468" y="3592499"/>
+            <a:ext cx="1054100" cy="317500"/>
+          </a:xfrm>
+          <a:prstGeom prst="rect">
+            <a:avLst/>
+          </a:prstGeom>
+        </p:spPr>
+      </p:pic>
+      <p:pic>
+        <p:nvPicPr>
+          <p:cNvPr id="28" name="図 27">
+            <a:extLst>
+              <a:ext uri="{FF2B5EF4-FFF2-40B4-BE49-F238E27FC236}">
+                <a16:creationId xmlns:a16="http://schemas.microsoft.com/office/drawing/2014/main" id="{60A87AA9-4023-074D-B627-630AA59D3652}"/>
+              </a:ext>
+            </a:extLst>
+          </p:cNvPr>
+          <p:cNvPicPr>
+            <a:picLocks noChangeAspect="1"/>
+          </p:cNvPicPr>
+          <p:nvPr/>
+        </p:nvPicPr>
+        <p:blipFill>
+          <a:blip r:embed="rId6"/>
+          <a:stretch>
+            <a:fillRect/>
+          </a:stretch>
+        </p:blipFill>
+        <p:spPr>
+          <a:xfrm>
+            <a:off x="9278218" y="5262032"/>
+            <a:ext cx="736600" cy="317500"/>
+          </a:xfrm>
+          <a:prstGeom prst="rect">
+            <a:avLst/>
+          </a:prstGeom>
+        </p:spPr>
+      </p:pic>
+    </p:spTree>
+    <p:extLst>
+      <p:ext uri="{BB962C8B-B14F-4D97-AF65-F5344CB8AC3E}">
+        <p14:creationId xmlns:p14="http://schemas.microsoft.com/office/powerpoint/2010/main" val="1946582095"/>
+      </p:ext>
+    </p:extLst>
+  </p:cSld>
+  <p:clrMapOvr>
+    <a:masterClrMapping/>
+  </p:clrMapOvr>
+</p:sld>
+</file>
+
 <file path=ppt/theme/theme1.xml><?xml version="1.0" encoding="utf-8"?>
 <a:theme xmlns:a="http://schemas.openxmlformats.org/drawingml/2006/main" name="Office テーマ">
   <a:themeElements>
